--- a/Misc/NGROK-Notes.pptx
+++ b/Misc/NGROK-Notes.pptx
@@ -164,8 +164,8 @@
           </a:lstStyle>
           <a:p>
             <a:endParaRPr lang="zh-CN" altLang="en-US">
-              <a:latin typeface="Microsoft YaHei" panose="020B0503020204020204" charset="-122"/>
-              <a:ea typeface="Microsoft YaHei" panose="020B0503020204020204" charset="-122"/>
+              <a:latin typeface="微软雅黑" panose="020B0503020204020204" charset="-122"/>
+              <a:ea typeface="微软雅黑" panose="020B0503020204020204" charset="-122"/>
             </a:endParaRPr>
           </a:p>
         </p:txBody>
@@ -199,13 +199,13 @@
           <a:p>
             <a:fld id="{0F9B84EA-7D68-4D60-9CB1-D50884785D1C}" type="datetimeFigureOut">
               <a:rPr lang="zh-CN" altLang="en-US" smtClean="0">
-                <a:latin typeface="Microsoft YaHei" panose="020B0503020204020204" charset="-122"/>
-                <a:ea typeface="Microsoft YaHei" panose="020B0503020204020204" charset="-122"/>
+                <a:latin typeface="微软雅黑" panose="020B0503020204020204" charset="-122"/>
+                <a:ea typeface="微软雅黑" panose="020B0503020204020204" charset="-122"/>
               </a:rPr>
             </a:fld>
             <a:endParaRPr lang="zh-CN" altLang="en-US" smtClean="0">
-              <a:latin typeface="Microsoft YaHei" panose="020B0503020204020204" charset="-122"/>
-              <a:ea typeface="Microsoft YaHei" panose="020B0503020204020204" charset="-122"/>
+              <a:latin typeface="微软雅黑" panose="020B0503020204020204" charset="-122"/>
+              <a:ea typeface="微软雅黑" panose="020B0503020204020204" charset="-122"/>
             </a:endParaRPr>
           </a:p>
         </p:txBody>
@@ -238,8 +238,8 @@
           </a:lstStyle>
           <a:p>
             <a:endParaRPr lang="zh-CN" altLang="en-US">
-              <a:latin typeface="Microsoft YaHei" panose="020B0503020204020204" charset="-122"/>
-              <a:ea typeface="Microsoft YaHei" panose="020B0503020204020204" charset="-122"/>
+              <a:latin typeface="微软雅黑" panose="020B0503020204020204" charset="-122"/>
+              <a:ea typeface="微软雅黑" panose="020B0503020204020204" charset="-122"/>
             </a:endParaRPr>
           </a:p>
         </p:txBody>
@@ -273,13 +273,13 @@
           <a:p>
             <a:fld id="{8D4E0FC9-F1F8-4FAE-9988-3BA365CFD46F}" type="slidenum">
               <a:rPr lang="zh-CN" altLang="en-US" smtClean="0">
-                <a:latin typeface="Microsoft YaHei" panose="020B0503020204020204" charset="-122"/>
-                <a:ea typeface="Microsoft YaHei" panose="020B0503020204020204" charset="-122"/>
+                <a:latin typeface="微软雅黑" panose="020B0503020204020204" charset="-122"/>
+                <a:ea typeface="微软雅黑" panose="020B0503020204020204" charset="-122"/>
               </a:rPr>
             </a:fld>
             <a:endParaRPr lang="zh-CN" altLang="en-US" smtClean="0">
-              <a:latin typeface="Microsoft YaHei" panose="020B0503020204020204" charset="-122"/>
-              <a:ea typeface="Microsoft YaHei" panose="020B0503020204020204" charset="-122"/>
+              <a:latin typeface="微软雅黑" panose="020B0503020204020204" charset="-122"/>
+              <a:ea typeface="微软雅黑" panose="020B0503020204020204" charset="-122"/>
             </a:endParaRPr>
           </a:p>
         </p:txBody>
@@ -336,8 +336,8 @@
           <a:lstStyle>
             <a:lvl1pPr algn="l">
               <a:defRPr sz="1200">
-                <a:latin typeface="Microsoft YaHei" panose="020B0503020204020204" charset="-122"/>
-                <a:ea typeface="Microsoft YaHei" panose="020B0503020204020204" charset="-122"/>
+                <a:latin typeface="微软雅黑" panose="020B0503020204020204" charset="-122"/>
+                <a:ea typeface="微软雅黑" panose="020B0503020204020204" charset="-122"/>
               </a:defRPr>
             </a:lvl1pPr>
           </a:lstStyle>
@@ -370,8 +370,8 @@
           <a:lstStyle>
             <a:lvl1pPr algn="r">
               <a:defRPr sz="1200">
-                <a:latin typeface="Microsoft YaHei" panose="020B0503020204020204" charset="-122"/>
-                <a:ea typeface="Microsoft YaHei" panose="020B0503020204020204" charset="-122"/>
+                <a:latin typeface="微软雅黑" panose="020B0503020204020204" charset="-122"/>
+                <a:ea typeface="微软雅黑" panose="020B0503020204020204" charset="-122"/>
               </a:defRPr>
             </a:lvl1pPr>
           </a:lstStyle>
@@ -504,8 +504,8 @@
           <a:lstStyle>
             <a:lvl1pPr algn="l">
               <a:defRPr sz="1200">
-                <a:latin typeface="Microsoft YaHei" panose="020B0503020204020204" charset="-122"/>
-                <a:ea typeface="Microsoft YaHei" panose="020B0503020204020204" charset="-122"/>
+                <a:latin typeface="微软雅黑" panose="020B0503020204020204" charset="-122"/>
+                <a:ea typeface="微软雅黑" panose="020B0503020204020204" charset="-122"/>
               </a:defRPr>
             </a:lvl1pPr>
           </a:lstStyle>
@@ -538,8 +538,8 @@
           <a:lstStyle>
             <a:lvl1pPr algn="r">
               <a:defRPr sz="1200">
-                <a:latin typeface="Microsoft YaHei" panose="020B0503020204020204" charset="-122"/>
-                <a:ea typeface="Microsoft YaHei" panose="020B0503020204020204" charset="-122"/>
+                <a:latin typeface="微软雅黑" panose="020B0503020204020204" charset="-122"/>
+                <a:ea typeface="微软雅黑" panose="020B0503020204020204" charset="-122"/>
               </a:defRPr>
             </a:lvl1pPr>
           </a:lstStyle>
@@ -560,8 +560,8 @@
         <a:solidFill>
           <a:schemeClr val="tx1"/>
         </a:solidFill>
-        <a:latin typeface="Microsoft YaHei" panose="020B0503020204020204" charset="-122"/>
-        <a:ea typeface="Microsoft YaHei" panose="020B0503020204020204" charset="-122"/>
+        <a:latin typeface="微软雅黑" panose="020B0503020204020204" charset="-122"/>
+        <a:ea typeface="微软雅黑" panose="020B0503020204020204" charset="-122"/>
         <a:cs typeface="+mn-cs"/>
       </a:defRPr>
     </a:lvl1pPr>
@@ -570,8 +570,8 @@
         <a:solidFill>
           <a:schemeClr val="tx1"/>
         </a:solidFill>
-        <a:latin typeface="Microsoft YaHei" panose="020B0503020204020204" charset="-122"/>
-        <a:ea typeface="Microsoft YaHei" panose="020B0503020204020204" charset="-122"/>
+        <a:latin typeface="微软雅黑" panose="020B0503020204020204" charset="-122"/>
+        <a:ea typeface="微软雅黑" panose="020B0503020204020204" charset="-122"/>
         <a:cs typeface="+mn-cs"/>
       </a:defRPr>
     </a:lvl2pPr>
@@ -580,8 +580,8 @@
         <a:solidFill>
           <a:schemeClr val="tx1"/>
         </a:solidFill>
-        <a:latin typeface="Microsoft YaHei" panose="020B0503020204020204" charset="-122"/>
-        <a:ea typeface="Microsoft YaHei" panose="020B0503020204020204" charset="-122"/>
+        <a:latin typeface="微软雅黑" panose="020B0503020204020204" charset="-122"/>
+        <a:ea typeface="微软雅黑" panose="020B0503020204020204" charset="-122"/>
         <a:cs typeface="+mn-cs"/>
       </a:defRPr>
     </a:lvl3pPr>
@@ -590,8 +590,8 @@
         <a:solidFill>
           <a:schemeClr val="tx1"/>
         </a:solidFill>
-        <a:latin typeface="Microsoft YaHei" panose="020B0503020204020204" charset="-122"/>
-        <a:ea typeface="Microsoft YaHei" panose="020B0503020204020204" charset="-122"/>
+        <a:latin typeface="微软雅黑" panose="020B0503020204020204" charset="-122"/>
+        <a:ea typeface="微软雅黑" panose="020B0503020204020204" charset="-122"/>
         <a:cs typeface="+mn-cs"/>
       </a:defRPr>
     </a:lvl4pPr>
@@ -600,8 +600,8 @@
         <a:solidFill>
           <a:schemeClr val="tx1"/>
         </a:solidFill>
-        <a:latin typeface="Microsoft YaHei" panose="020B0503020204020204" charset="-122"/>
-        <a:ea typeface="Microsoft YaHei" panose="020B0503020204020204" charset="-122"/>
+        <a:latin typeface="微软雅黑" panose="020B0503020204020204" charset="-122"/>
+        <a:ea typeface="微软雅黑" panose="020B0503020204020204" charset="-122"/>
         <a:cs typeface="+mn-cs"/>
       </a:defRPr>
     </a:lvl5pPr>
@@ -1585,7 +1585,7 @@
               <a:pPr algn="ctr"/>
               <a:endParaRPr lang="zh-CN" altLang="en-US" baseline="0">
                 <a:latin typeface="Arial" panose="020B0604020202020204" pitchFamily="34" charset="0"/>
-                <a:ea typeface="SimHei" panose="02010609060101010101" pitchFamily="49" charset="-122"/>
+                <a:ea typeface="黑体" panose="02010609060101010101" pitchFamily="49" charset="-122"/>
               </a:endParaRPr>
             </a:p>
           </p:txBody>
@@ -1636,7 +1636,7 @@
               <a:pPr algn="ctr"/>
               <a:endParaRPr lang="zh-CN" altLang="en-US" baseline="0">
                 <a:latin typeface="Arial" panose="020B0604020202020204" pitchFamily="34" charset="0"/>
-                <a:ea typeface="SimHei" panose="02010609060101010101" pitchFamily="49" charset="-122"/>
+                <a:ea typeface="黑体" panose="02010609060101010101" pitchFamily="49" charset="-122"/>
               </a:endParaRPr>
             </a:p>
           </p:txBody>
@@ -1689,7 +1689,7 @@
               <a:pPr algn="ctr"/>
               <a:endParaRPr lang="zh-CN" altLang="en-US" baseline="0">
                 <a:latin typeface="Arial" panose="020B0604020202020204" pitchFamily="34" charset="0"/>
-                <a:ea typeface="SimHei" panose="02010609060101010101" pitchFamily="49" charset="-122"/>
+                <a:ea typeface="黑体" panose="02010609060101010101" pitchFamily="49" charset="-122"/>
               </a:endParaRPr>
             </a:p>
           </p:txBody>
@@ -2489,7 +2489,7 @@
                 <a:schemeClr val="tx1"/>
               </a:solidFill>
               <a:latin typeface="Arial" panose="020B0604020202020204" pitchFamily="34" charset="0"/>
-              <a:ea typeface="SimHei" panose="02010609060101010101" pitchFamily="49" charset="-122"/>
+              <a:ea typeface="黑体" panose="02010609060101010101" pitchFamily="49" charset="-122"/>
             </a:endParaRPr>
           </a:p>
         </p:txBody>
@@ -3415,7 +3415,7 @@
         <a:spcBef>
           <a:spcPts val="1000"/>
         </a:spcBef>
-        <a:buFont typeface="SimHei" panose="02010609060101010101" pitchFamily="49" charset="-122"/>
+        <a:buFont typeface="黑体" panose="02010609060101010101" pitchFamily="49" charset="-122"/>
         <a:buChar char="〉"/>
         <a:defRPr sz="2400" kern="1200">
           <a:solidFill>
@@ -3739,18 +3739,31 @@
             </p:custDataLst>
           </p:nvPr>
         </p:nvSpPr>
-        <p:spPr/>
+        <p:spPr>
+          <a:xfrm>
+            <a:off x="1524000" y="5388235"/>
+            <a:ext cx="9144000" cy="376237"/>
+          </a:xfrm>
+        </p:spPr>
         <p:txBody>
           <a:bodyPr>
-            <a:normAutofit fontScale="92500" lnSpcReduction="10000"/>
+            <a:noAutofit/>
           </a:bodyPr>
           <a:p>
             <a:pPr algn="ctr"/>
             <a:r>
-              <a:rPr lang="en-US" altLang="zh-CN" dirty="0" smtClean="0"/>
-              <a:t>LOREM IPSUM DOLOR</a:t>
-            </a:r>
-            <a:endParaRPr lang="zh-CN" altLang="en-US" dirty="0"/>
+              <a:rPr lang="en-US" altLang="zh-CN" sz="1600" dirty="0"/>
+              <a:t>Sparks Lu</a:t>
+            </a:r>
+            <a:endParaRPr lang="en-US" altLang="zh-CN" sz="1600" dirty="0"/>
+          </a:p>
+          <a:p>
+            <a:pPr algn="ctr"/>
+            <a:r>
+              <a:rPr lang="en-US" altLang="zh-CN" sz="1600" dirty="0"/>
+              <a:t>Last updated: 11/2/2019</a:t>
+            </a:r>
+            <a:endParaRPr lang="en-US" altLang="zh-CN" sz="1600" dirty="0"/>
           </a:p>
         </p:txBody>
       </p:sp>
